--- a/oops.pptx
+++ b/oops.pptx
@@ -6,12 +6,13 @@
   </p:sldMasterIdLst>
   <p:sldIdLst>
     <p:sldId id="256" r:id="rId2"/>
-    <p:sldId id="257" r:id="rId3"/>
-    <p:sldId id="263" r:id="rId4"/>
-    <p:sldId id="258" r:id="rId5"/>
-    <p:sldId id="259" r:id="rId6"/>
-    <p:sldId id="260" r:id="rId7"/>
-    <p:sldId id="261" r:id="rId8"/>
+    <p:sldId id="264" r:id="rId3"/>
+    <p:sldId id="257" r:id="rId4"/>
+    <p:sldId id="263" r:id="rId5"/>
+    <p:sldId id="258" r:id="rId6"/>
+    <p:sldId id="259" r:id="rId7"/>
+    <p:sldId id="260" r:id="rId8"/>
+    <p:sldId id="261" r:id="rId9"/>
   </p:sldIdLst>
   <p:sldSz cx="12192000" cy="6858000"/>
   <p:notesSz cx="6858000" cy="9144000"/>
@@ -6003,6 +6004,132 @@
           <a:chExt cx="0" cy="0"/>
         </a:xfrm>
       </p:grpSpPr>
+      <p:sp>
+        <p:nvSpPr>
+          <p:cNvPr id="2" name="Title 1"/>
+          <p:cNvSpPr>
+            <a:spLocks noGrp="1"/>
+          </p:cNvSpPr>
+          <p:nvPr>
+            <p:ph type="title"/>
+          </p:nvPr>
+        </p:nvSpPr>
+        <p:spPr/>
+        <p:txBody>
+          <a:bodyPr/>
+          <a:lstStyle/>
+          <a:p>
+            <a:r>
+              <a:rPr lang="en-US" dirty="0" smtClean="0"/>
+              <a:t>Contents covered</a:t>
+            </a:r>
+            <a:endParaRPr lang="en-US" dirty="0"/>
+          </a:p>
+        </p:txBody>
+      </p:sp>
+      <p:sp>
+        <p:nvSpPr>
+          <p:cNvPr id="3" name="Content Placeholder 2"/>
+          <p:cNvSpPr>
+            <a:spLocks noGrp="1"/>
+          </p:cNvSpPr>
+          <p:nvPr>
+            <p:ph idx="1"/>
+          </p:nvPr>
+        </p:nvSpPr>
+        <p:spPr/>
+        <p:txBody>
+          <a:bodyPr>
+            <a:normAutofit/>
+          </a:bodyPr>
+          <a:lstStyle/>
+          <a:p>
+            <a:r>
+              <a:rPr lang="en-US" sz="2400" dirty="0" smtClean="0">
+                <a:solidFill>
+                  <a:schemeClr val="accent1">
+                    <a:lumMod val="75000"/>
+                  </a:schemeClr>
+                </a:solidFill>
+              </a:rPr>
+              <a:t>Abstraction</a:t>
+            </a:r>
+          </a:p>
+          <a:p>
+            <a:r>
+              <a:rPr lang="en-US" sz="2400" dirty="0" smtClean="0">
+                <a:solidFill>
+                  <a:schemeClr val="accent1">
+                    <a:lumMod val="75000"/>
+                  </a:schemeClr>
+                </a:solidFill>
+              </a:rPr>
+              <a:t>Encapsulation</a:t>
+            </a:r>
+          </a:p>
+          <a:p>
+            <a:r>
+              <a:rPr lang="en-US" sz="2400" dirty="0" smtClean="0">
+                <a:solidFill>
+                  <a:schemeClr val="accent1">
+                    <a:lumMod val="75000"/>
+                  </a:schemeClr>
+                </a:solidFill>
+              </a:rPr>
+              <a:t>Polymorphism</a:t>
+            </a:r>
+          </a:p>
+          <a:p>
+            <a:r>
+              <a:rPr lang="en-US" sz="2400" dirty="0" smtClean="0">
+                <a:solidFill>
+                  <a:schemeClr val="accent1">
+                    <a:lumMod val="75000"/>
+                  </a:schemeClr>
+                </a:solidFill>
+              </a:rPr>
+              <a:t>Inheritance</a:t>
+            </a:r>
+            <a:endParaRPr lang="en-US" sz="2400" dirty="0">
+              <a:solidFill>
+                <a:schemeClr val="accent1">
+                  <a:lumMod val="75000"/>
+                </a:schemeClr>
+              </a:solidFill>
+            </a:endParaRPr>
+          </a:p>
+        </p:txBody>
+      </p:sp>
+    </p:spTree>
+    <p:extLst>
+      <p:ext uri="{BB962C8B-B14F-4D97-AF65-F5344CB8AC3E}">
+        <p14:creationId xmlns:p14="http://schemas.microsoft.com/office/powerpoint/2010/main" val="3319899435"/>
+      </p:ext>
+    </p:extLst>
+  </p:cSld>
+  <p:clrMapOvr>
+    <a:masterClrMapping/>
+  </p:clrMapOvr>
+</p:sld>
+</file>
+
+<file path=ppt/slides/slide3.xml><?xml version="1.0" encoding="utf-8"?>
+<p:sld xmlns:a="http://schemas.openxmlformats.org/drawingml/2006/main" xmlns:r="http://schemas.openxmlformats.org/officeDocument/2006/relationships" xmlns:p="http://schemas.openxmlformats.org/presentationml/2006/main">
+  <p:cSld>
+    <p:spTree>
+      <p:nvGrpSpPr>
+        <p:cNvPr id="1" name=""/>
+        <p:cNvGrpSpPr/>
+        <p:nvPr/>
+      </p:nvGrpSpPr>
+      <p:grpSpPr>
+        <a:xfrm>
+          <a:off x="0" y="0"/>
+          <a:ext cx="0" cy="0"/>
+          <a:chOff x="0" y="0"/>
+          <a:chExt cx="0" cy="0"/>
+        </a:xfrm>
+      </p:grpSpPr>
       <p:pic>
         <p:nvPicPr>
           <p:cNvPr id="1026" name="Picture 2" descr="Image result for object oriented"/>
@@ -6059,7 +6186,7 @@
 </p:sld>
 </file>
 
-<file path=ppt/slides/slide3.xml><?xml version="1.0" encoding="utf-8"?>
+<file path=ppt/slides/slide4.xml><?xml version="1.0" encoding="utf-8"?>
 <p:sld xmlns:a="http://schemas.openxmlformats.org/drawingml/2006/main" xmlns:r="http://schemas.openxmlformats.org/officeDocument/2006/relationships" xmlns:p="http://schemas.openxmlformats.org/presentationml/2006/main">
   <p:cSld>
     <p:spTree>
@@ -6119,7 +6246,7 @@
 </p:sld>
 </file>
 
-<file path=ppt/slides/slide4.xml><?xml version="1.0" encoding="utf-8"?>
+<file path=ppt/slides/slide5.xml><?xml version="1.0" encoding="utf-8"?>
 <p:sld xmlns:a="http://schemas.openxmlformats.org/drawingml/2006/main" xmlns:r="http://schemas.openxmlformats.org/officeDocument/2006/relationships" xmlns:p="http://schemas.openxmlformats.org/presentationml/2006/main">
   <p:cSld>
     <p:spTree>
@@ -6190,7 +6317,7 @@
 </p:sld>
 </file>
 
-<file path=ppt/slides/slide5.xml><?xml version="1.0" encoding="utf-8"?>
+<file path=ppt/slides/slide6.xml><?xml version="1.0" encoding="utf-8"?>
 <p:sld xmlns:a="http://schemas.openxmlformats.org/drawingml/2006/main" xmlns:r="http://schemas.openxmlformats.org/officeDocument/2006/relationships" xmlns:p="http://schemas.openxmlformats.org/presentationml/2006/main">
   <p:cSld>
     <p:spTree>
@@ -6263,7 +6390,7 @@
 </p:sld>
 </file>
 
-<file path=ppt/slides/slide6.xml><?xml version="1.0" encoding="utf-8"?>
+<file path=ppt/slides/slide7.xml><?xml version="1.0" encoding="utf-8"?>
 <p:sld xmlns:a="http://schemas.openxmlformats.org/drawingml/2006/main" xmlns:r="http://schemas.openxmlformats.org/officeDocument/2006/relationships" xmlns:p="http://schemas.openxmlformats.org/presentationml/2006/main">
   <p:cSld>
     <p:spTree>
@@ -6379,7 +6506,7 @@
 </p:sld>
 </file>
 
-<file path=ppt/slides/slide7.xml><?xml version="1.0" encoding="utf-8"?>
+<file path=ppt/slides/slide8.xml><?xml version="1.0" encoding="utf-8"?>
 <p:sld xmlns:a="http://schemas.openxmlformats.org/drawingml/2006/main" xmlns:r="http://schemas.openxmlformats.org/officeDocument/2006/relationships" xmlns:p="http://schemas.openxmlformats.org/presentationml/2006/main">
   <p:cSld>
     <p:spTree>
